--- a/notebooks/29.3_ApplyStoryTelling_UKeconomics_BenoitLoze.pptx
+++ b/notebooks/29.3_ApplyStoryTelling_UKeconomics_BenoitLoze.pptx
@@ -3653,6 +3653,27 @@
               <a:t>From Plague to Prosperity: Who Benefited?</a:t>
             </a:r>
             <a:endParaRPr lang="en-US" sz="5400" dirty="0"/>
+          </a:p>
+          <a:p>
+            <a:pPr marL="0" indent="0">
+              <a:buNone/>
+            </a:pPr>
+            <a:endParaRPr lang="en-US" sz="2400" dirty="0"/>
+          </a:p>
+          <a:p>
+            <a:pPr marL="0" indent="0">
+              <a:buNone/>
+            </a:pPr>
+            <a:endParaRPr lang="en-US" sz="2400" dirty="0"/>
+          </a:p>
+          <a:p>
+            <a:pPr marL="0" indent="0">
+              <a:buNone/>
+            </a:pPr>
+            <a:r>
+              <a:rPr lang="en-US" sz="2000" dirty="0"/>
+              <a:t>(Chosen audience: non-technical stakeholders)</a:t>
+            </a:r>
           </a:p>
           <a:p>
             <a:pPr marL="0" indent="0">
